--- a/1.7 and 1.8 documentation .pptx
+++ b/1.7 and 1.8 documentation .pptx
@@ -131,10 +131,25 @@
   <pc:docChgLst>
     <pc:chgData name="Jacob Donaldson" userId="ac5f423e8bdd22cf" providerId="LiveId" clId="{91FB6C05-FAB7-4424-BB84-5092CDE91F5A}"/>
     <pc:docChg chg="undo custSel modSld">
-      <pc:chgData name="Jacob Donaldson" userId="ac5f423e8bdd22cf" providerId="LiveId" clId="{91FB6C05-FAB7-4424-BB84-5092CDE91F5A}" dt="2022-05-04T23:18:26.543" v="8" actId="9405"/>
+      <pc:chgData name="Jacob Donaldson" userId="ac5f423e8bdd22cf" providerId="LiveId" clId="{91FB6C05-FAB7-4424-BB84-5092CDE91F5A}" dt="2022-05-11T01:46:14.932" v="14" actId="20577"/>
       <pc:docMkLst>
         <pc:docMk/>
       </pc:docMkLst>
+      <pc:sldChg chg="modSp mod">
+        <pc:chgData name="Jacob Donaldson" userId="ac5f423e8bdd22cf" providerId="LiveId" clId="{91FB6C05-FAB7-4424-BB84-5092CDE91F5A}" dt="2022-05-11T01:46:14.932" v="14" actId="20577"/>
+        <pc:sldMkLst>
+          <pc:docMk/>
+          <pc:sldMk cId="3838895173" sldId="258"/>
+        </pc:sldMkLst>
+        <pc:spChg chg="mod">
+          <ac:chgData name="Jacob Donaldson" userId="ac5f423e8bdd22cf" providerId="LiveId" clId="{91FB6C05-FAB7-4424-BB84-5092CDE91F5A}" dt="2022-05-11T01:46:14.932" v="14" actId="20577"/>
+          <ac:spMkLst>
+            <pc:docMk/>
+            <pc:sldMk cId="3838895173" sldId="258"/>
+            <ac:spMk id="4" creationId="{F7FB308A-232B-4B31-A59D-BD561ECFBE8B}"/>
+          </ac:spMkLst>
+        </pc:spChg>
+      </pc:sldChg>
       <pc:sldChg chg="addSp delSp modSp mod">
         <pc:chgData name="Jacob Donaldson" userId="ac5f423e8bdd22cf" providerId="LiveId" clId="{91FB6C05-FAB7-4424-BB84-5092CDE91F5A}" dt="2022-05-04T23:18:26.543" v="8" actId="9405"/>
         <pc:sldMkLst>
@@ -360,7 +375,7 @@
           <a:p>
             <a:fld id="{F37D28C0-BEB6-42B0-A203-EEE1023219C4}" type="datetimeFigureOut">
               <a:rPr lang="en-NZ" smtClean="0"/>
-              <a:t>3/05/2022</a:t>
+              <a:t>11/05/2022</a:t>
             </a:fld>
             <a:endParaRPr lang="en-NZ"/>
           </a:p>
@@ -1764,7 +1779,7 @@
           <a:p>
             <a:fld id="{9C4A4F43-1C06-40E6-8F87-8B286982E50E}" type="datetimeFigureOut">
               <a:rPr lang="en-NZ" smtClean="0"/>
-              <a:t>3/05/2022</a:t>
+              <a:t>11/05/2022</a:t>
             </a:fld>
             <a:endParaRPr lang="en-NZ" dirty="0"/>
           </a:p>
@@ -1964,7 +1979,7 @@
           <a:p>
             <a:fld id="{9C4A4F43-1C06-40E6-8F87-8B286982E50E}" type="datetimeFigureOut">
               <a:rPr lang="en-NZ" smtClean="0"/>
-              <a:t>3/05/2022</a:t>
+              <a:t>11/05/2022</a:t>
             </a:fld>
             <a:endParaRPr lang="en-NZ" dirty="0"/>
           </a:p>
@@ -2174,7 +2189,7 @@
           <a:p>
             <a:fld id="{9C4A4F43-1C06-40E6-8F87-8B286982E50E}" type="datetimeFigureOut">
               <a:rPr lang="en-NZ" smtClean="0"/>
-              <a:t>3/05/2022</a:t>
+              <a:t>11/05/2022</a:t>
             </a:fld>
             <a:endParaRPr lang="en-NZ" dirty="0"/>
           </a:p>
@@ -2733,7 +2748,7 @@
           <a:p>
             <a:fld id="{9C4A4F43-1C06-40E6-8F87-8B286982E50E}" type="datetimeFigureOut">
               <a:rPr lang="en-NZ" smtClean="0"/>
-              <a:t>3/05/2022</a:t>
+              <a:t>11/05/2022</a:t>
             </a:fld>
             <a:endParaRPr lang="en-NZ" dirty="0"/>
           </a:p>
@@ -3009,7 +3024,7 @@
           <a:p>
             <a:fld id="{9C4A4F43-1C06-40E6-8F87-8B286982E50E}" type="datetimeFigureOut">
               <a:rPr lang="en-NZ" smtClean="0"/>
-              <a:t>3/05/2022</a:t>
+              <a:t>11/05/2022</a:t>
             </a:fld>
             <a:endParaRPr lang="en-NZ" dirty="0"/>
           </a:p>
@@ -3277,7 +3292,7 @@
           <a:p>
             <a:fld id="{9C4A4F43-1C06-40E6-8F87-8B286982E50E}" type="datetimeFigureOut">
               <a:rPr lang="en-NZ" smtClean="0"/>
-              <a:t>3/05/2022</a:t>
+              <a:t>11/05/2022</a:t>
             </a:fld>
             <a:endParaRPr lang="en-NZ" dirty="0"/>
           </a:p>
@@ -3692,7 +3707,7 @@
           <a:p>
             <a:fld id="{9C4A4F43-1C06-40E6-8F87-8B286982E50E}" type="datetimeFigureOut">
               <a:rPr lang="en-NZ" smtClean="0"/>
-              <a:t>3/05/2022</a:t>
+              <a:t>11/05/2022</a:t>
             </a:fld>
             <a:endParaRPr lang="en-NZ" dirty="0"/>
           </a:p>
@@ -3834,7 +3849,7 @@
           <a:p>
             <a:fld id="{9C4A4F43-1C06-40E6-8F87-8B286982E50E}" type="datetimeFigureOut">
               <a:rPr lang="en-NZ" smtClean="0"/>
-              <a:t>3/05/2022</a:t>
+              <a:t>11/05/2022</a:t>
             </a:fld>
             <a:endParaRPr lang="en-NZ" dirty="0"/>
           </a:p>
@@ -3947,7 +3962,7 @@
           <a:p>
             <a:fld id="{9C4A4F43-1C06-40E6-8F87-8B286982E50E}" type="datetimeFigureOut">
               <a:rPr lang="en-NZ" smtClean="0"/>
-              <a:t>3/05/2022</a:t>
+              <a:t>11/05/2022</a:t>
             </a:fld>
             <a:endParaRPr lang="en-NZ" dirty="0"/>
           </a:p>
@@ -4260,7 +4275,7 @@
           <a:p>
             <a:fld id="{9C4A4F43-1C06-40E6-8F87-8B286982E50E}" type="datetimeFigureOut">
               <a:rPr lang="en-NZ" smtClean="0"/>
-              <a:t>3/05/2022</a:t>
+              <a:t>11/05/2022</a:t>
             </a:fld>
             <a:endParaRPr lang="en-NZ" dirty="0"/>
           </a:p>
@@ -4549,7 +4564,7 @@
           <a:p>
             <a:fld id="{9C4A4F43-1C06-40E6-8F87-8B286982E50E}" type="datetimeFigureOut">
               <a:rPr lang="en-NZ" smtClean="0"/>
-              <a:t>3/05/2022</a:t>
+              <a:t>11/05/2022</a:t>
             </a:fld>
             <a:endParaRPr lang="en-NZ" dirty="0"/>
           </a:p>
@@ -4792,7 +4807,7 @@
           <a:p>
             <a:fld id="{9C4A4F43-1C06-40E6-8F87-8B286982E50E}" type="datetimeFigureOut">
               <a:rPr lang="en-NZ" smtClean="0"/>
-              <a:t>3/05/2022</a:t>
+              <a:t>11/05/2022</a:t>
             </a:fld>
             <a:endParaRPr lang="en-NZ" dirty="0"/>
           </a:p>
@@ -6041,8 +6056,21 @@
                   <a:srgbClr val="274E13"/>
                 </a:solidFill>
               </a:rPr>
-              <a:t>Link to GitHub Repository: [here]</a:t>
-            </a:r>
+              <a:t>Link to GitHub Repository</a:t>
+            </a:r>
+            <a:r>
+              <a:rPr lang="en-NZ" sz="2000" b="1">
+                <a:solidFill>
+                  <a:srgbClr val="274E13"/>
+                </a:solidFill>
+              </a:rPr>
+              <a:t>: []</a:t>
+            </a:r>
+            <a:endParaRPr lang="en-NZ" sz="2000" b="1" dirty="0">
+              <a:solidFill>
+                <a:srgbClr val="274E13"/>
+              </a:solidFill>
+            </a:endParaRPr>
           </a:p>
           <a:p>
             <a:pPr marL="0" indent="0">
@@ -7004,8 +7032,8 @@
           </a:prstGeom>
         </p:spPr>
       </p:pic>
-      <mc:AlternateContent xmlns:mc="http://schemas.openxmlformats.org/markup-compatibility/2006">
-        <mc:Choice xmlns:p14="http://schemas.microsoft.com/office/powerpoint/2010/main" Requires="p14">
+      <mc:AlternateContent xmlns:mc="http://schemas.openxmlformats.org/markup-compatibility/2006" xmlns:p14="http://schemas.microsoft.com/office/powerpoint/2010/main">
+        <mc:Choice Requires="p14">
           <p:contentPart p14:bwMode="auto" r:id="rId5">
             <p14:nvContentPartPr>
               <p14:cNvPr id="7" name="Ink 6">
@@ -7024,7 +7052,7 @@
             </p14:xfrm>
           </p:contentPart>
         </mc:Choice>
-        <mc:Fallback>
+        <mc:Fallback xmlns="">
           <p:pic>
             <p:nvPicPr>
               <p:cNvPr id="7" name="Ink 6">
@@ -7055,8 +7083,8 @@
           </p:pic>
         </mc:Fallback>
       </mc:AlternateContent>
-      <mc:AlternateContent xmlns:mc="http://schemas.openxmlformats.org/markup-compatibility/2006">
-        <mc:Choice xmlns:p14="http://schemas.microsoft.com/office/powerpoint/2010/main" Requires="p14">
+      <mc:AlternateContent xmlns:mc="http://schemas.openxmlformats.org/markup-compatibility/2006" xmlns:p14="http://schemas.microsoft.com/office/powerpoint/2010/main">
+        <mc:Choice Requires="p14">
           <p:contentPart p14:bwMode="auto" r:id="rId7">
             <p14:nvContentPartPr>
               <p14:cNvPr id="9" name="Ink 8">
@@ -7075,7 +7103,7 @@
             </p14:xfrm>
           </p:contentPart>
         </mc:Choice>
-        <mc:Fallback>
+        <mc:Fallback xmlns="">
           <p:pic>
             <p:nvPicPr>
               <p:cNvPr id="9" name="Ink 8">
@@ -7106,8 +7134,8 @@
           </p:pic>
         </mc:Fallback>
       </mc:AlternateContent>
-      <mc:AlternateContent xmlns:mc="http://schemas.openxmlformats.org/markup-compatibility/2006">
-        <mc:Choice xmlns:p14="http://schemas.microsoft.com/office/powerpoint/2010/main" Requires="p14">
+      <mc:AlternateContent xmlns:mc="http://schemas.openxmlformats.org/markup-compatibility/2006" xmlns:p14="http://schemas.microsoft.com/office/powerpoint/2010/main">
+        <mc:Choice Requires="p14">
           <p:contentPart p14:bwMode="auto" r:id="rId9">
             <p14:nvContentPartPr>
               <p14:cNvPr id="10" name="Ink 9">
@@ -7126,7 +7154,7 @@
             </p14:xfrm>
           </p:contentPart>
         </mc:Choice>
-        <mc:Fallback>
+        <mc:Fallback xmlns="">
           <p:pic>
             <p:nvPicPr>
               <p:cNvPr id="10" name="Ink 9">
